--- a/CS5489_Machine_Learning/课程笔记.pptx
+++ b/CS5489_Machine_Learning/课程笔记.pptx
@@ -40,6 +40,14 @@
     <p:sldId id="276" r:id="rId34"/>
     <p:sldId id="277" r:id="rId35"/>
     <p:sldId id="278" r:id="rId36"/>
+    <p:sldId id="291" r:id="rId37"/>
+    <p:sldId id="292" r:id="rId38"/>
+    <p:sldId id="293" r:id="rId39"/>
+    <p:sldId id="294" r:id="rId40"/>
+    <p:sldId id="295" r:id="rId41"/>
+    <p:sldId id="296" r:id="rId42"/>
+    <p:sldId id="297" r:id="rId43"/>
+    <p:sldId id="298" r:id="rId44"/>
   </p:sldIdLst>
   <p:sldSz cx="12192000" cy="6858000"/>
   <p:notesSz cx="6858000" cy="9144000"/>
@@ -184,6 +192,22 @@
             <p14:sldId id="278"/>
           </p14:sldIdLst>
         </p14:section>
+        <p14:section name="week3" id="{CD44A188-D2D9-4146-97ED-D3B21122BE90}">
+          <p14:sldIdLst>
+            <p14:sldId id="291"/>
+            <p14:sldId id="292"/>
+            <p14:sldId id="293"/>
+            <p14:sldId id="294"/>
+            <p14:sldId id="295"/>
+            <p14:sldId id="296"/>
+            <p14:sldId id="297"/>
+          </p14:sldIdLst>
+        </p14:section>
+        <p14:section name="Week3 Tutorial1" id="{78BC0BF9-75BA-4AA1-9148-38FAAFF48800}">
+          <p14:sldIdLst>
+            <p14:sldId id="298"/>
+          </p14:sldIdLst>
+        </p14:section>
       </p14:sectionLst>
     </p:ext>
     <p:ext uri="{EFAFB233-063F-42B5-8137-9DF3F51BA10A}">
@@ -340,7 +364,7 @@
           <a:p>
             <a:fld id="{D1C286B2-EE67-48C1-9AEE-934D06D4ED9D}" type="datetimeFigureOut">
               <a:rPr lang="zh-CN" altLang="en-US" smtClean="0"/>
-              <a:t>2024/9/13</a:t>
+              <a:t>2024/9/20</a:t>
             </a:fld>
             <a:endParaRPr lang="zh-CN" altLang="en-US"/>
           </a:p>
@@ -538,7 +562,7 @@
           <a:p>
             <a:fld id="{D1C286B2-EE67-48C1-9AEE-934D06D4ED9D}" type="datetimeFigureOut">
               <a:rPr lang="zh-CN" altLang="en-US" smtClean="0"/>
-              <a:t>2024/9/13</a:t>
+              <a:t>2024/9/20</a:t>
             </a:fld>
             <a:endParaRPr lang="zh-CN" altLang="en-US"/>
           </a:p>
@@ -746,7 +770,7 @@
           <a:p>
             <a:fld id="{D1C286B2-EE67-48C1-9AEE-934D06D4ED9D}" type="datetimeFigureOut">
               <a:rPr lang="zh-CN" altLang="en-US" smtClean="0"/>
-              <a:t>2024/9/13</a:t>
+              <a:t>2024/9/20</a:t>
             </a:fld>
             <a:endParaRPr lang="zh-CN" altLang="en-US"/>
           </a:p>
@@ -944,7 +968,7 @@
           <a:p>
             <a:fld id="{D1C286B2-EE67-48C1-9AEE-934D06D4ED9D}" type="datetimeFigureOut">
               <a:rPr lang="zh-CN" altLang="en-US" smtClean="0"/>
-              <a:t>2024/9/13</a:t>
+              <a:t>2024/9/20</a:t>
             </a:fld>
             <a:endParaRPr lang="zh-CN" altLang="en-US"/>
           </a:p>
@@ -1219,7 +1243,7 @@
           <a:p>
             <a:fld id="{D1C286B2-EE67-48C1-9AEE-934D06D4ED9D}" type="datetimeFigureOut">
               <a:rPr lang="zh-CN" altLang="en-US" smtClean="0"/>
-              <a:t>2024/9/13</a:t>
+              <a:t>2024/9/20</a:t>
             </a:fld>
             <a:endParaRPr lang="zh-CN" altLang="en-US"/>
           </a:p>
@@ -1484,7 +1508,7 @@
           <a:p>
             <a:fld id="{D1C286B2-EE67-48C1-9AEE-934D06D4ED9D}" type="datetimeFigureOut">
               <a:rPr lang="zh-CN" altLang="en-US" smtClean="0"/>
-              <a:t>2024/9/13</a:t>
+              <a:t>2024/9/20</a:t>
             </a:fld>
             <a:endParaRPr lang="zh-CN" altLang="en-US"/>
           </a:p>
@@ -1896,7 +1920,7 @@
           <a:p>
             <a:fld id="{D1C286B2-EE67-48C1-9AEE-934D06D4ED9D}" type="datetimeFigureOut">
               <a:rPr lang="zh-CN" altLang="en-US" smtClean="0"/>
-              <a:t>2024/9/13</a:t>
+              <a:t>2024/9/20</a:t>
             </a:fld>
             <a:endParaRPr lang="zh-CN" altLang="en-US"/>
           </a:p>
@@ -2037,7 +2061,7 @@
           <a:p>
             <a:fld id="{D1C286B2-EE67-48C1-9AEE-934D06D4ED9D}" type="datetimeFigureOut">
               <a:rPr lang="zh-CN" altLang="en-US" smtClean="0"/>
-              <a:t>2024/9/13</a:t>
+              <a:t>2024/9/20</a:t>
             </a:fld>
             <a:endParaRPr lang="zh-CN" altLang="en-US"/>
           </a:p>
@@ -2150,7 +2174,7 @@
           <a:p>
             <a:fld id="{D1C286B2-EE67-48C1-9AEE-934D06D4ED9D}" type="datetimeFigureOut">
               <a:rPr lang="zh-CN" altLang="en-US" smtClean="0"/>
-              <a:t>2024/9/13</a:t>
+              <a:t>2024/9/20</a:t>
             </a:fld>
             <a:endParaRPr lang="zh-CN" altLang="en-US"/>
           </a:p>
@@ -2461,7 +2485,7 @@
           <a:p>
             <a:fld id="{D1C286B2-EE67-48C1-9AEE-934D06D4ED9D}" type="datetimeFigureOut">
               <a:rPr lang="zh-CN" altLang="en-US" smtClean="0"/>
-              <a:t>2024/9/13</a:t>
+              <a:t>2024/9/20</a:t>
             </a:fld>
             <a:endParaRPr lang="zh-CN" altLang="en-US"/>
           </a:p>
@@ -2749,7 +2773,7 @@
           <a:p>
             <a:fld id="{D1C286B2-EE67-48C1-9AEE-934D06D4ED9D}" type="datetimeFigureOut">
               <a:rPr lang="zh-CN" altLang="en-US" smtClean="0"/>
-              <a:t>2024/9/13</a:t>
+              <a:t>2024/9/20</a:t>
             </a:fld>
             <a:endParaRPr lang="zh-CN" altLang="en-US"/>
           </a:p>
@@ -2990,7 +3014,7 @@
           <a:p>
             <a:fld id="{D1C286B2-EE67-48C1-9AEE-934D06D4ED9D}" type="datetimeFigureOut">
               <a:rPr lang="zh-CN" altLang="en-US" smtClean="0"/>
-              <a:t>2024/9/13</a:t>
+              <a:t>2024/9/20</a:t>
             </a:fld>
             <a:endParaRPr lang="zh-CN" altLang="en-US"/>
           </a:p>
@@ -13640,6 +13664,1254 @@
 </p:sld>
 </file>
 
+<file path=ppt/slides/slide36.xml><?xml version="1.0" encoding="utf-8"?>
+<p:sld xmlns:a="http://schemas.openxmlformats.org/drawingml/2006/main" xmlns:r="http://schemas.openxmlformats.org/officeDocument/2006/relationships" xmlns:p="http://schemas.openxmlformats.org/presentationml/2006/main">
+  <p:cSld>
+    <p:spTree>
+      <p:nvGrpSpPr>
+        <p:cNvPr id="1" name=""/>
+        <p:cNvGrpSpPr/>
+        <p:nvPr/>
+      </p:nvGrpSpPr>
+      <p:grpSpPr>
+        <a:xfrm>
+          <a:off x="0" y="0"/>
+          <a:ext cx="0" cy="0"/>
+          <a:chOff x="0" y="0"/>
+          <a:chExt cx="0" cy="0"/>
+        </a:xfrm>
+      </p:grpSpPr>
+      <p:sp>
+        <p:nvSpPr>
+          <p:cNvPr id="2" name="标题 1">
+            <a:extLst>
+              <a:ext uri="{FF2B5EF4-FFF2-40B4-BE49-F238E27FC236}">
+                <a16:creationId xmlns:a16="http://schemas.microsoft.com/office/drawing/2014/main" id="{007FFD54-05D5-FEFB-E652-15E8F05B05E0}"/>
+              </a:ext>
+            </a:extLst>
+          </p:cNvPr>
+          <p:cNvSpPr>
+            <a:spLocks noGrp="1"/>
+          </p:cNvSpPr>
+          <p:nvPr>
+            <p:ph type="title"/>
+          </p:nvPr>
+        </p:nvSpPr>
+        <p:spPr/>
+        <p:txBody>
+          <a:bodyPr/>
+          <a:lstStyle/>
+          <a:p>
+            <a:endParaRPr lang="zh-CN" altLang="en-US"/>
+          </a:p>
+        </p:txBody>
+      </p:sp>
+      <p:sp>
+        <p:nvSpPr>
+          <p:cNvPr id="3" name="内容占位符 2">
+            <a:extLst>
+              <a:ext uri="{FF2B5EF4-FFF2-40B4-BE49-F238E27FC236}">
+                <a16:creationId xmlns:a16="http://schemas.microsoft.com/office/drawing/2014/main" id="{34586458-F942-393E-D9BE-80F6433F5413}"/>
+              </a:ext>
+            </a:extLst>
+          </p:cNvPr>
+          <p:cNvSpPr>
+            <a:spLocks noGrp="1"/>
+          </p:cNvSpPr>
+          <p:nvPr>
+            <p:ph idx="1"/>
+          </p:nvPr>
+        </p:nvSpPr>
+        <p:spPr/>
+        <p:txBody>
+          <a:bodyPr/>
+          <a:lstStyle/>
+          <a:p>
+            <a:r>
+              <a:rPr lang="zh-CN" altLang="en-US" dirty="0"/>
+              <a:t>这周主要讲</a:t>
+            </a:r>
+            <a:r>
+              <a:rPr lang="en-US" altLang="zh-CN" dirty="0"/>
+              <a:t>3.1</a:t>
+            </a:r>
+            <a:r>
+              <a:rPr lang="zh-CN" altLang="en-US" dirty="0"/>
+              <a:t>凸性，</a:t>
+            </a:r>
+            <a:r>
+              <a:rPr lang="en-US" altLang="zh-CN" dirty="0"/>
+              <a:t>3.2</a:t>
+            </a:r>
+            <a:r>
+              <a:rPr lang="zh-CN" altLang="en-US" dirty="0"/>
+              <a:t>支持向量机</a:t>
+            </a:r>
+            <a:endParaRPr lang="en-US" altLang="zh-CN" dirty="0"/>
+          </a:p>
+          <a:p>
+            <a:r>
+              <a:rPr lang="zh-CN" altLang="en-US" dirty="0"/>
+              <a:t>凸优化和非凸优化是什么意思，有哪些？见</a:t>
+            </a:r>
+            <a:r>
+              <a:rPr lang="en-US" altLang="zh-CN" dirty="0">
+                <a:hlinkClick r:id="rId2"/>
+              </a:rPr>
+              <a:t>【</a:t>
+            </a:r>
+            <a:r>
+              <a:rPr lang="zh-CN" altLang="en-US" dirty="0">
+                <a:hlinkClick r:id="rId2"/>
+              </a:rPr>
+              <a:t>数之道</a:t>
+            </a:r>
+            <a:r>
+              <a:rPr lang="en-US" altLang="zh-CN" dirty="0">
+                <a:hlinkClick r:id="rId2"/>
+              </a:rPr>
+              <a:t>35】</a:t>
+            </a:r>
+            <a:r>
+              <a:rPr lang="zh-CN" altLang="en-US" dirty="0">
+                <a:hlinkClick r:id="rId2"/>
+              </a:rPr>
+              <a:t>最优化问题如何求解，十分钟时间梳理清楚</a:t>
+            </a:r>
+            <a:r>
+              <a:rPr lang="en-US" altLang="zh-CN" dirty="0">
+                <a:hlinkClick r:id="rId2"/>
+              </a:rPr>
+              <a:t>&lt;</a:t>
+            </a:r>
+            <a:r>
+              <a:rPr lang="zh-CN" altLang="en-US" dirty="0">
+                <a:hlinkClick r:id="rId2"/>
+              </a:rPr>
+              <a:t>最优化系列第</a:t>
+            </a:r>
+            <a:r>
+              <a:rPr lang="en-US" altLang="zh-CN" dirty="0">
+                <a:hlinkClick r:id="rId2"/>
+              </a:rPr>
+              <a:t>1</a:t>
+            </a:r>
+            <a:r>
+              <a:rPr lang="zh-CN" altLang="en-US" dirty="0">
+                <a:hlinkClick r:id="rId2"/>
+              </a:rPr>
+              <a:t>集</a:t>
+            </a:r>
+            <a:r>
+              <a:rPr lang="en-US" altLang="zh-CN" dirty="0">
+                <a:hlinkClick r:id="rId2"/>
+              </a:rPr>
+              <a:t>&gt;_</a:t>
+            </a:r>
+            <a:r>
+              <a:rPr lang="zh-CN" altLang="en-US" dirty="0">
+                <a:hlinkClick r:id="rId2"/>
+              </a:rPr>
+              <a:t>哔哩哔哩</a:t>
+            </a:r>
+            <a:r>
+              <a:rPr lang="en-US" altLang="zh-CN" dirty="0">
+                <a:hlinkClick r:id="rId2"/>
+              </a:rPr>
+              <a:t>_</a:t>
+            </a:r>
+            <a:r>
+              <a:rPr lang="en-US" altLang="zh-CN" dirty="0" err="1">
+                <a:hlinkClick r:id="rId2"/>
+              </a:rPr>
+              <a:t>bilibili</a:t>
+            </a:r>
+            <a:endParaRPr lang="en-US" altLang="zh-CN" dirty="0"/>
+          </a:p>
+          <a:p>
+            <a:r>
+              <a:rPr lang="zh-CN" altLang="en-US" dirty="0"/>
+              <a:t>简单来说，数学主要有微积分</a:t>
+            </a:r>
+            <a:r>
+              <a:rPr lang="en-US" altLang="zh-CN" dirty="0"/>
+              <a:t>-</a:t>
+            </a:r>
+            <a:r>
+              <a:rPr lang="zh-CN" altLang="en-US" dirty="0"/>
+              <a:t>线代</a:t>
+            </a:r>
+            <a:r>
+              <a:rPr lang="en-US" altLang="zh-CN" dirty="0"/>
+              <a:t>-</a:t>
+            </a:r>
+            <a:r>
+              <a:rPr lang="zh-CN" altLang="en-US" dirty="0"/>
+              <a:t>概统（贝叶斯和标准统计学）</a:t>
+            </a:r>
+            <a:r>
+              <a:rPr lang="en-US" altLang="zh-CN" dirty="0"/>
+              <a:t>-</a:t>
+            </a:r>
+            <a:r>
+              <a:rPr lang="zh-CN" altLang="en-US" dirty="0"/>
+              <a:t>优化方法，其中优化方法就有凸优化和非凸优化。</a:t>
+            </a:r>
+          </a:p>
+        </p:txBody>
+      </p:sp>
+      <p:sp>
+        <p:nvSpPr>
+          <p:cNvPr id="5" name="文本框 4">
+            <a:extLst>
+              <a:ext uri="{FF2B5EF4-FFF2-40B4-BE49-F238E27FC236}">
+                <a16:creationId xmlns:a16="http://schemas.microsoft.com/office/drawing/2014/main" id="{8099127B-D2BA-7087-434C-F74B6B4E6F7B}"/>
+              </a:ext>
+            </a:extLst>
+          </p:cNvPr>
+          <p:cNvSpPr txBox="1"/>
+          <p:nvPr/>
+        </p:nvSpPr>
+        <p:spPr>
+          <a:xfrm>
+            <a:off x="489528" y="5846544"/>
+            <a:ext cx="6096000" cy="1200329"/>
+          </a:xfrm>
+          <a:prstGeom prst="rect">
+            <a:avLst/>
+          </a:prstGeom>
+          <a:noFill/>
+        </p:spPr>
+        <p:txBody>
+          <a:bodyPr wrap="square">
+            <a:spAutoFit/>
+          </a:bodyPr>
+          <a:lstStyle/>
+          <a:p>
+            <a:endParaRPr lang="en-US" altLang="zh-CN" dirty="0">
+              <a:hlinkClick r:id="rId3"/>
+            </a:endParaRPr>
+          </a:p>
+          <a:p>
+            <a:r>
+              <a:rPr lang="en-US" altLang="zh-CN" dirty="0">
+                <a:hlinkClick r:id="rId3"/>
+              </a:rPr>
+              <a:t>【</a:t>
+            </a:r>
+            <a:r>
+              <a:rPr lang="zh-CN" altLang="en-US" dirty="0">
+                <a:hlinkClick r:id="rId3"/>
+              </a:rPr>
+              <a:t>数之道</a:t>
+            </a:r>
+            <a:r>
+              <a:rPr lang="en-US" altLang="zh-CN" dirty="0">
+                <a:hlinkClick r:id="rId3"/>
+              </a:rPr>
+              <a:t>】</a:t>
+            </a:r>
+            <a:r>
+              <a:rPr lang="zh-CN" altLang="en-US" dirty="0">
+                <a:hlinkClick r:id="rId3"/>
+              </a:rPr>
+              <a:t>支持向量机</a:t>
+            </a:r>
+            <a:r>
+              <a:rPr lang="en-US" altLang="zh-CN" dirty="0">
+                <a:hlinkClick r:id="rId3"/>
+              </a:rPr>
+              <a:t>SVM</a:t>
+            </a:r>
+            <a:r>
+              <a:rPr lang="zh-CN" altLang="en-US" dirty="0">
+                <a:hlinkClick r:id="rId3"/>
+              </a:rPr>
+              <a:t>是什么，八分钟直觉理解其本质</a:t>
+            </a:r>
+            <a:r>
+              <a:rPr lang="en-US" altLang="zh-CN" dirty="0">
+                <a:hlinkClick r:id="rId3"/>
+              </a:rPr>
+              <a:t>_</a:t>
+            </a:r>
+            <a:r>
+              <a:rPr lang="zh-CN" altLang="en-US" dirty="0">
+                <a:hlinkClick r:id="rId3"/>
+              </a:rPr>
+              <a:t>哔哩哔哩</a:t>
+            </a:r>
+            <a:r>
+              <a:rPr lang="en-US" altLang="zh-CN" dirty="0">
+                <a:hlinkClick r:id="rId3"/>
+              </a:rPr>
+              <a:t>_</a:t>
+            </a:r>
+            <a:r>
+              <a:rPr lang="en-US" altLang="zh-CN" dirty="0" err="1">
+                <a:hlinkClick r:id="rId3"/>
+              </a:rPr>
+              <a:t>bilibili</a:t>
+            </a:r>
+            <a:endParaRPr lang="en-US" altLang="zh-CN" dirty="0"/>
+          </a:p>
+          <a:p>
+            <a:endParaRPr lang="zh-CN" altLang="en-US" dirty="0"/>
+          </a:p>
+        </p:txBody>
+      </p:sp>
+      <p:sp>
+        <p:nvSpPr>
+          <p:cNvPr id="7" name="文本框 6">
+            <a:extLst>
+              <a:ext uri="{FF2B5EF4-FFF2-40B4-BE49-F238E27FC236}">
+                <a16:creationId xmlns:a16="http://schemas.microsoft.com/office/drawing/2014/main" id="{311EC158-B956-F017-5884-5125F44C661A}"/>
+              </a:ext>
+            </a:extLst>
+          </p:cNvPr>
+          <p:cNvSpPr txBox="1"/>
+          <p:nvPr/>
+        </p:nvSpPr>
+        <p:spPr>
+          <a:xfrm>
+            <a:off x="6326909" y="6123542"/>
+            <a:ext cx="6096000" cy="646331"/>
+          </a:xfrm>
+          <a:prstGeom prst="rect">
+            <a:avLst/>
+          </a:prstGeom>
+          <a:noFill/>
+        </p:spPr>
+        <p:txBody>
+          <a:bodyPr wrap="square">
+            <a:spAutoFit/>
+          </a:bodyPr>
+          <a:lstStyle/>
+          <a:p>
+            <a:r>
+              <a:rPr lang="en-US" altLang="zh-CN" dirty="0">
+                <a:hlinkClick r:id="rId4"/>
+              </a:rPr>
+              <a:t>【</a:t>
+            </a:r>
+            <a:r>
+              <a:rPr lang="zh-CN" altLang="en-US" dirty="0">
+                <a:hlinkClick r:id="rId4"/>
+              </a:rPr>
+              <a:t>数之道</a:t>
+            </a:r>
+            <a:r>
+              <a:rPr lang="en-US" altLang="zh-CN" dirty="0">
+                <a:hlinkClick r:id="rId4"/>
+              </a:rPr>
+              <a:t>25】</a:t>
+            </a:r>
+            <a:r>
+              <a:rPr lang="zh-CN" altLang="en-US" dirty="0">
+                <a:hlinkClick r:id="rId4"/>
+              </a:rPr>
+              <a:t>机器学习必经之路</a:t>
+            </a:r>
+            <a:r>
+              <a:rPr lang="en-US" altLang="zh-CN" dirty="0">
+                <a:hlinkClick r:id="rId4"/>
+              </a:rPr>
+              <a:t>-SVM</a:t>
+            </a:r>
+            <a:r>
+              <a:rPr lang="zh-CN" altLang="en-US" dirty="0">
+                <a:hlinkClick r:id="rId4"/>
+              </a:rPr>
+              <a:t>支持向量机的数学精华</a:t>
+            </a:r>
+            <a:r>
+              <a:rPr lang="en-US" altLang="zh-CN" dirty="0">
+                <a:hlinkClick r:id="rId4"/>
+              </a:rPr>
+              <a:t>_</a:t>
+            </a:r>
+            <a:r>
+              <a:rPr lang="zh-CN" altLang="en-US" dirty="0">
+                <a:hlinkClick r:id="rId4"/>
+              </a:rPr>
+              <a:t>哔哩哔哩</a:t>
+            </a:r>
+            <a:r>
+              <a:rPr lang="en-US" altLang="zh-CN" dirty="0">
+                <a:hlinkClick r:id="rId4"/>
+              </a:rPr>
+              <a:t>_</a:t>
+            </a:r>
+            <a:r>
+              <a:rPr lang="en-US" altLang="zh-CN" dirty="0" err="1">
+                <a:hlinkClick r:id="rId4"/>
+              </a:rPr>
+              <a:t>bilibili</a:t>
+            </a:r>
+            <a:endParaRPr lang="zh-CN" altLang="en-US" dirty="0"/>
+          </a:p>
+        </p:txBody>
+      </p:sp>
+      <p:pic>
+        <p:nvPicPr>
+          <p:cNvPr id="9" name="图片 8">
+            <a:extLst>
+              <a:ext uri="{FF2B5EF4-FFF2-40B4-BE49-F238E27FC236}">
+                <a16:creationId xmlns:a16="http://schemas.microsoft.com/office/drawing/2014/main" id="{C869D62A-9FBB-9044-44E0-F710F123CB99}"/>
+              </a:ext>
+            </a:extLst>
+          </p:cNvPr>
+          <p:cNvPicPr>
+            <a:picLocks noChangeAspect="1"/>
+          </p:cNvPicPr>
+          <p:nvPr/>
+        </p:nvPicPr>
+        <p:blipFill>
+          <a:blip r:embed="rId5"/>
+          <a:stretch>
+            <a:fillRect/>
+          </a:stretch>
+        </p:blipFill>
+        <p:spPr>
+          <a:xfrm>
+            <a:off x="8072582" y="4427621"/>
+            <a:ext cx="4119418" cy="1749342"/>
+          </a:xfrm>
+          <a:prstGeom prst="rect">
+            <a:avLst/>
+          </a:prstGeom>
+        </p:spPr>
+      </p:pic>
+    </p:spTree>
+    <p:extLst>
+      <p:ext uri="{BB962C8B-B14F-4D97-AF65-F5344CB8AC3E}">
+        <p14:creationId xmlns:p14="http://schemas.microsoft.com/office/powerpoint/2010/main" val="3711048741"/>
+      </p:ext>
+    </p:extLst>
+  </p:cSld>
+  <p:clrMapOvr>
+    <a:masterClrMapping/>
+  </p:clrMapOvr>
+</p:sld>
+</file>
+
+<file path=ppt/slides/slide37.xml><?xml version="1.0" encoding="utf-8"?>
+<p:sld xmlns:a="http://schemas.openxmlformats.org/drawingml/2006/main" xmlns:r="http://schemas.openxmlformats.org/officeDocument/2006/relationships" xmlns:p="http://schemas.openxmlformats.org/presentationml/2006/main">
+  <p:cSld>
+    <p:spTree>
+      <p:nvGrpSpPr>
+        <p:cNvPr id="1" name=""/>
+        <p:cNvGrpSpPr/>
+        <p:nvPr/>
+      </p:nvGrpSpPr>
+      <p:grpSpPr>
+        <a:xfrm>
+          <a:off x="0" y="0"/>
+          <a:ext cx="0" cy="0"/>
+          <a:chOff x="0" y="0"/>
+          <a:chExt cx="0" cy="0"/>
+        </a:xfrm>
+      </p:grpSpPr>
+      <p:sp>
+        <p:nvSpPr>
+          <p:cNvPr id="2" name="标题 1">
+            <a:extLst>
+              <a:ext uri="{FF2B5EF4-FFF2-40B4-BE49-F238E27FC236}">
+                <a16:creationId xmlns:a16="http://schemas.microsoft.com/office/drawing/2014/main" id="{0CC6A3DF-95FC-AC79-C2DA-9B4910353692}"/>
+              </a:ext>
+            </a:extLst>
+          </p:cNvPr>
+          <p:cNvSpPr>
+            <a:spLocks noGrp="1"/>
+          </p:cNvSpPr>
+          <p:nvPr>
+            <p:ph type="title"/>
+          </p:nvPr>
+        </p:nvSpPr>
+        <p:spPr/>
+        <p:txBody>
+          <a:bodyPr/>
+          <a:lstStyle/>
+          <a:p>
+            <a:r>
+              <a:rPr lang="zh-CN" altLang="en-US" dirty="0"/>
+              <a:t>凸和凹的两问</a:t>
+            </a:r>
+          </a:p>
+        </p:txBody>
+      </p:sp>
+      <p:sp>
+        <p:nvSpPr>
+          <p:cNvPr id="3" name="内容占位符 2">
+            <a:extLst>
+              <a:ext uri="{FF2B5EF4-FFF2-40B4-BE49-F238E27FC236}">
+                <a16:creationId xmlns:a16="http://schemas.microsoft.com/office/drawing/2014/main" id="{49C17976-387D-7BBA-D442-C41DDFDD0D38}"/>
+              </a:ext>
+            </a:extLst>
+          </p:cNvPr>
+          <p:cNvSpPr>
+            <a:spLocks noGrp="1"/>
+          </p:cNvSpPr>
+          <p:nvPr>
+            <p:ph idx="1"/>
+          </p:nvPr>
+        </p:nvSpPr>
+        <p:spPr>
+          <a:xfrm>
+            <a:off x="838200" y="1825625"/>
+            <a:ext cx="7790784" cy="4351338"/>
+          </a:xfrm>
+        </p:spPr>
+        <p:txBody>
+          <a:bodyPr/>
+          <a:lstStyle/>
+          <a:p>
+            <a:pPr algn="l"/>
+            <a:r>
+              <a:rPr lang="zh-CN" altLang="en-US" b="1" i="0" dirty="0">
+                <a:solidFill>
+                  <a:srgbClr val="191B1F"/>
+                </a:solidFill>
+                <a:effectLst/>
+                <a:latin typeface="-apple-system"/>
+              </a:rPr>
+              <a:t>（</a:t>
+            </a:r>
+            <a:r>
+              <a:rPr lang="en-US" altLang="zh-CN" b="1" i="0" dirty="0">
+                <a:solidFill>
+                  <a:srgbClr val="191B1F"/>
+                </a:solidFill>
+                <a:effectLst/>
+                <a:latin typeface="-apple-system"/>
+              </a:rPr>
+              <a:t>1</a:t>
+            </a:r>
+            <a:r>
+              <a:rPr lang="zh-CN" altLang="en-US" b="1" i="0" dirty="0">
+                <a:solidFill>
+                  <a:srgbClr val="191B1F"/>
+                </a:solidFill>
+                <a:effectLst/>
+                <a:latin typeface="-apple-system"/>
+              </a:rPr>
+              <a:t>）为什么数学概念中，将凸起的函数称为凹函数？</a:t>
+            </a:r>
+            <a:r>
+              <a:rPr lang="zh-CN" altLang="en-US" b="0" i="0" dirty="0">
+                <a:solidFill>
+                  <a:srgbClr val="191B1F"/>
+                </a:solidFill>
+                <a:effectLst/>
+                <a:latin typeface="-apple-system"/>
+              </a:rPr>
+              <a:t>这样的定义方式不是和常识割裂开了吗？</a:t>
+            </a:r>
+            <a:endParaRPr lang="en-US" altLang="zh-CN" b="0" i="0" dirty="0">
+              <a:solidFill>
+                <a:srgbClr val="191B1F"/>
+              </a:solidFill>
+              <a:effectLst/>
+              <a:latin typeface="-apple-system"/>
+            </a:endParaRPr>
+          </a:p>
+          <a:p>
+            <a:pPr algn="l"/>
+            <a:r>
+              <a:rPr lang="zh-CN" altLang="en-US" dirty="0">
+                <a:solidFill>
+                  <a:srgbClr val="191B1F"/>
+                </a:solidFill>
+                <a:latin typeface="-apple-system"/>
+              </a:rPr>
+              <a:t>（</a:t>
+            </a:r>
+            <a:r>
+              <a:rPr lang="en-US" altLang="zh-CN" dirty="0">
+                <a:solidFill>
+                  <a:srgbClr val="191B1F"/>
+                </a:solidFill>
+                <a:latin typeface="-apple-system"/>
+              </a:rPr>
+              <a:t>2</a:t>
+            </a:r>
+            <a:r>
+              <a:rPr lang="zh-CN" altLang="en-US" dirty="0">
+                <a:solidFill>
+                  <a:srgbClr val="191B1F"/>
+                </a:solidFill>
+                <a:latin typeface="-apple-system"/>
+              </a:rPr>
+              <a:t>）凸函数不是二阶导来定义的么，怎么变成这个了？</a:t>
+            </a:r>
+            <a:endParaRPr lang="en-US" altLang="zh-CN" dirty="0">
+              <a:solidFill>
+                <a:srgbClr val="191B1F"/>
+              </a:solidFill>
+              <a:latin typeface="-apple-system"/>
+            </a:endParaRPr>
+          </a:p>
+          <a:p>
+            <a:pPr algn="l"/>
+            <a:endParaRPr lang="en-US" altLang="zh-CN" b="0" i="0" dirty="0">
+              <a:solidFill>
+                <a:srgbClr val="191B1F"/>
+              </a:solidFill>
+              <a:effectLst/>
+              <a:latin typeface="-apple-system"/>
+            </a:endParaRPr>
+          </a:p>
+          <a:p>
+            <a:pPr algn="l"/>
+            <a:endParaRPr lang="en-US" altLang="zh-CN" dirty="0">
+              <a:solidFill>
+                <a:srgbClr val="191B1F"/>
+              </a:solidFill>
+              <a:latin typeface="-apple-system"/>
+            </a:endParaRPr>
+          </a:p>
+          <a:p>
+            <a:pPr algn="l"/>
+            <a:endParaRPr lang="en-US" altLang="zh-CN" b="0" i="0" dirty="0">
+              <a:solidFill>
+                <a:srgbClr val="191B1F"/>
+              </a:solidFill>
+              <a:effectLst/>
+              <a:latin typeface="-apple-system"/>
+            </a:endParaRPr>
+          </a:p>
+          <a:p>
+            <a:pPr algn="l"/>
+            <a:endParaRPr lang="en-US" altLang="zh-CN" dirty="0">
+              <a:solidFill>
+                <a:srgbClr val="191B1F"/>
+              </a:solidFill>
+              <a:latin typeface="-apple-system"/>
+            </a:endParaRPr>
+          </a:p>
+          <a:p>
+            <a:pPr lvl="1"/>
+            <a:r>
+              <a:rPr lang="zh-CN" altLang="en-US" b="0" i="0" dirty="0">
+                <a:solidFill>
+                  <a:srgbClr val="191B1F"/>
+                </a:solidFill>
+                <a:effectLst/>
+                <a:latin typeface="-apple-system"/>
+              </a:rPr>
+              <a:t>实际上有</a:t>
+            </a:r>
+            <a:r>
+              <a:rPr lang="en-US" altLang="zh-CN" b="0" i="0" dirty="0">
+                <a:solidFill>
+                  <a:srgbClr val="191B1F"/>
+                </a:solidFill>
+                <a:effectLst/>
+                <a:latin typeface="-apple-system"/>
+              </a:rPr>
+              <a:t>4</a:t>
+            </a:r>
+            <a:r>
+              <a:rPr lang="zh-CN" altLang="en-US" b="0" i="0" dirty="0">
+                <a:solidFill>
+                  <a:srgbClr val="191B1F"/>
+                </a:solidFill>
+                <a:effectLst/>
+                <a:latin typeface="-apple-system"/>
+              </a:rPr>
+              <a:t>种定义方式，但是我看不懂</a:t>
+            </a:r>
+          </a:p>
+          <a:p>
+            <a:endParaRPr lang="zh-CN" altLang="en-US" dirty="0"/>
+          </a:p>
+        </p:txBody>
+      </p:sp>
+      <p:pic>
+        <p:nvPicPr>
+          <p:cNvPr id="5" name="图片 4">
+            <a:extLst>
+              <a:ext uri="{FF2B5EF4-FFF2-40B4-BE49-F238E27FC236}">
+                <a16:creationId xmlns:a16="http://schemas.microsoft.com/office/drawing/2014/main" id="{A8D0CD6D-7B86-3DD6-958E-10271823DE2D}"/>
+              </a:ext>
+            </a:extLst>
+          </p:cNvPr>
+          <p:cNvPicPr>
+            <a:picLocks noChangeAspect="1"/>
+          </p:cNvPicPr>
+          <p:nvPr/>
+        </p:nvPicPr>
+        <p:blipFill>
+          <a:blip r:embed="rId2"/>
+          <a:stretch>
+            <a:fillRect/>
+          </a:stretch>
+        </p:blipFill>
+        <p:spPr>
+          <a:xfrm>
+            <a:off x="8628984" y="2655599"/>
+            <a:ext cx="3563016" cy="4383521"/>
+          </a:xfrm>
+          <a:prstGeom prst="rect">
+            <a:avLst/>
+          </a:prstGeom>
+        </p:spPr>
+      </p:pic>
+      <p:sp>
+        <p:nvSpPr>
+          <p:cNvPr id="7" name="文本框 6">
+            <a:extLst>
+              <a:ext uri="{FF2B5EF4-FFF2-40B4-BE49-F238E27FC236}">
+                <a16:creationId xmlns:a16="http://schemas.microsoft.com/office/drawing/2014/main" id="{64B42A7A-CAC6-6FFF-897B-2BFE03E4E7A7}"/>
+              </a:ext>
+            </a:extLst>
+          </p:cNvPr>
+          <p:cNvSpPr txBox="1"/>
+          <p:nvPr/>
+        </p:nvSpPr>
+        <p:spPr>
+          <a:xfrm>
+            <a:off x="-68120" y="6488668"/>
+            <a:ext cx="10394374" cy="369332"/>
+          </a:xfrm>
+          <a:prstGeom prst="rect">
+            <a:avLst/>
+          </a:prstGeom>
+          <a:noFill/>
+        </p:spPr>
+        <p:txBody>
+          <a:bodyPr wrap="square">
+            <a:spAutoFit/>
+          </a:bodyPr>
+          <a:lstStyle/>
+          <a:p>
+            <a:r>
+              <a:rPr lang="en-US" altLang="zh-CN" dirty="0">
+                <a:hlinkClick r:id="rId3"/>
+              </a:rPr>
+              <a:t>(58 </a:t>
+            </a:r>
+            <a:r>
+              <a:rPr lang="zh-CN" altLang="en-US" dirty="0">
+                <a:hlinkClick r:id="rId3"/>
+              </a:rPr>
+              <a:t>封私信 </a:t>
+            </a:r>
+            <a:r>
+              <a:rPr lang="en-US" altLang="zh-CN" dirty="0">
+                <a:hlinkClick r:id="rId3"/>
+              </a:rPr>
+              <a:t>/ 66 </a:t>
+            </a:r>
+            <a:r>
+              <a:rPr lang="zh-CN" altLang="en-US" dirty="0">
+                <a:hlinkClick r:id="rId3"/>
+              </a:rPr>
+              <a:t>条消息</a:t>
+            </a:r>
+            <a:r>
+              <a:rPr lang="en-US" altLang="zh-CN" dirty="0">
+                <a:hlinkClick r:id="rId3"/>
+              </a:rPr>
+              <a:t>) </a:t>
+            </a:r>
+            <a:r>
+              <a:rPr lang="zh-CN" altLang="en-US" dirty="0">
+                <a:hlinkClick r:id="rId3"/>
+              </a:rPr>
+              <a:t>为什么数学概念中，将凸起的函数称为凹函数？ </a:t>
+            </a:r>
+            <a:r>
+              <a:rPr lang="en-US" altLang="zh-CN" dirty="0">
+                <a:hlinkClick r:id="rId3"/>
+              </a:rPr>
+              <a:t>- </a:t>
+            </a:r>
+            <a:r>
+              <a:rPr lang="zh-CN" altLang="en-US" dirty="0">
+                <a:hlinkClick r:id="rId3"/>
+              </a:rPr>
+              <a:t>知乎 </a:t>
+            </a:r>
+            <a:r>
+              <a:rPr lang="en-US" altLang="zh-CN" dirty="0">
+                <a:hlinkClick r:id="rId3"/>
+              </a:rPr>
+              <a:t>(zhihu.com)</a:t>
+            </a:r>
+            <a:endParaRPr lang="zh-CN" altLang="en-US" dirty="0"/>
+          </a:p>
+        </p:txBody>
+      </p:sp>
+      <p:pic>
+        <p:nvPicPr>
+          <p:cNvPr id="9" name="图片 8">
+            <a:extLst>
+              <a:ext uri="{FF2B5EF4-FFF2-40B4-BE49-F238E27FC236}">
+                <a16:creationId xmlns:a16="http://schemas.microsoft.com/office/drawing/2014/main" id="{CCBFCB83-CD19-708B-F499-FFBDEC13D1E5}"/>
+              </a:ext>
+            </a:extLst>
+          </p:cNvPr>
+          <p:cNvPicPr>
+            <a:picLocks noChangeAspect="1"/>
+          </p:cNvPicPr>
+          <p:nvPr/>
+        </p:nvPicPr>
+        <p:blipFill>
+          <a:blip r:embed="rId4"/>
+          <a:stretch>
+            <a:fillRect/>
+          </a:stretch>
+        </p:blipFill>
+        <p:spPr>
+          <a:xfrm>
+            <a:off x="582757" y="3626816"/>
+            <a:ext cx="7582189" cy="1733450"/>
+          </a:xfrm>
+          <a:prstGeom prst="rect">
+            <a:avLst/>
+          </a:prstGeom>
+          <a:ln>
+            <a:noFill/>
+          </a:ln>
+          <a:effectLst>
+            <a:outerShdw blurRad="292100" dist="139700" dir="2700000" algn="tl" rotWithShape="0">
+              <a:srgbClr val="333333">
+                <a:alpha val="65000"/>
+              </a:srgbClr>
+            </a:outerShdw>
+          </a:effectLst>
+        </p:spPr>
+      </p:pic>
+    </p:spTree>
+    <p:extLst>
+      <p:ext uri="{BB962C8B-B14F-4D97-AF65-F5344CB8AC3E}">
+        <p14:creationId xmlns:p14="http://schemas.microsoft.com/office/powerpoint/2010/main" val="3585428663"/>
+      </p:ext>
+    </p:extLst>
+  </p:cSld>
+  <p:clrMapOvr>
+    <a:masterClrMapping/>
+  </p:clrMapOvr>
+</p:sld>
+</file>
+
+<file path=ppt/slides/slide38.xml><?xml version="1.0" encoding="utf-8"?>
+<p:sld xmlns:a="http://schemas.openxmlformats.org/drawingml/2006/main" xmlns:r="http://schemas.openxmlformats.org/officeDocument/2006/relationships" xmlns:p="http://schemas.openxmlformats.org/presentationml/2006/main">
+  <p:cSld>
+    <p:spTree>
+      <p:nvGrpSpPr>
+        <p:cNvPr id="1" name=""/>
+        <p:cNvGrpSpPr/>
+        <p:nvPr/>
+      </p:nvGrpSpPr>
+      <p:grpSpPr>
+        <a:xfrm>
+          <a:off x="0" y="0"/>
+          <a:ext cx="0" cy="0"/>
+          <a:chOff x="0" y="0"/>
+          <a:chExt cx="0" cy="0"/>
+        </a:xfrm>
+      </p:grpSpPr>
+      <p:sp>
+        <p:nvSpPr>
+          <p:cNvPr id="2" name="标题 1">
+            <a:extLst>
+              <a:ext uri="{FF2B5EF4-FFF2-40B4-BE49-F238E27FC236}">
+                <a16:creationId xmlns:a16="http://schemas.microsoft.com/office/drawing/2014/main" id="{7C215C4F-70CB-8C97-2965-E29E2680EE17}"/>
+              </a:ext>
+            </a:extLst>
+          </p:cNvPr>
+          <p:cNvSpPr>
+            <a:spLocks noGrp="1"/>
+          </p:cNvSpPr>
+          <p:nvPr>
+            <p:ph type="title"/>
+          </p:nvPr>
+        </p:nvSpPr>
+        <p:spPr/>
+        <p:txBody>
+          <a:bodyPr/>
+          <a:lstStyle/>
+          <a:p>
+            <a:r>
+              <a:rPr lang="zh-CN" altLang="en-US" dirty="0"/>
+              <a:t>二阶导数条件 </a:t>
+            </a:r>
+            <a:r>
+              <a:rPr lang="en-US" altLang="zh-CN" dirty="0"/>
+              <a:t>second order condition</a:t>
+            </a:r>
+            <a:r>
+              <a:rPr lang="zh-CN" altLang="en-US" dirty="0"/>
+              <a:t>的</a:t>
+            </a:r>
+            <a:r>
+              <a:rPr lang="en-US" altLang="zh-CN" dirty="0">
+                <a:highlight>
+                  <a:srgbClr val="FFFF00"/>
+                </a:highlight>
+              </a:rPr>
+              <a:t>hessian matrix</a:t>
+            </a:r>
+            <a:r>
+              <a:rPr lang="zh-CN" altLang="en-US" dirty="0">
+                <a:highlight>
+                  <a:srgbClr val="FFFF00"/>
+                </a:highlight>
+              </a:rPr>
+              <a:t>海森矩阵</a:t>
+            </a:r>
+          </a:p>
+        </p:txBody>
+      </p:sp>
+      <p:sp>
+        <p:nvSpPr>
+          <p:cNvPr id="3" name="内容占位符 2">
+            <a:extLst>
+              <a:ext uri="{FF2B5EF4-FFF2-40B4-BE49-F238E27FC236}">
+                <a16:creationId xmlns:a16="http://schemas.microsoft.com/office/drawing/2014/main" id="{B8C58893-9035-84BC-F78E-754B1E9C7168}"/>
+              </a:ext>
+            </a:extLst>
+          </p:cNvPr>
+          <p:cNvSpPr>
+            <a:spLocks noGrp="1"/>
+          </p:cNvSpPr>
+          <p:nvPr>
+            <p:ph idx="1"/>
+          </p:nvPr>
+        </p:nvSpPr>
+        <p:spPr>
+          <a:xfrm>
+            <a:off x="651524" y="4761704"/>
+            <a:ext cx="10515600" cy="1860012"/>
+          </a:xfrm>
+        </p:spPr>
+        <p:txBody>
+          <a:bodyPr/>
+          <a:lstStyle/>
+          <a:p>
+            <a:r>
+              <a:rPr lang="zh-CN" altLang="en-US" dirty="0"/>
+              <a:t>还需要晓得什么是是正定矩阵</a:t>
+            </a:r>
+          </a:p>
+        </p:txBody>
+      </p:sp>
+      <p:pic>
+        <p:nvPicPr>
+          <p:cNvPr id="5" name="图片 4">
+            <a:extLst>
+              <a:ext uri="{FF2B5EF4-FFF2-40B4-BE49-F238E27FC236}">
+                <a16:creationId xmlns:a16="http://schemas.microsoft.com/office/drawing/2014/main" id="{92F83054-09D2-9C29-24FA-B9C25808593D}"/>
+              </a:ext>
+            </a:extLst>
+          </p:cNvPr>
+          <p:cNvPicPr>
+            <a:picLocks noChangeAspect="1"/>
+          </p:cNvPicPr>
+          <p:nvPr/>
+        </p:nvPicPr>
+        <p:blipFill>
+          <a:blip r:embed="rId2"/>
+          <a:stretch>
+            <a:fillRect/>
+          </a:stretch>
+        </p:blipFill>
+        <p:spPr>
+          <a:xfrm>
+            <a:off x="6443085" y="1791611"/>
+            <a:ext cx="5012748" cy="2675791"/>
+          </a:xfrm>
+          <a:prstGeom prst="rect">
+            <a:avLst/>
+          </a:prstGeom>
+          <a:ln>
+            <a:noFill/>
+          </a:ln>
+          <a:effectLst>
+            <a:outerShdw blurRad="292100" dist="139700" dir="2700000" algn="tl" rotWithShape="0">
+              <a:srgbClr val="333333">
+                <a:alpha val="65000"/>
+              </a:srgbClr>
+            </a:outerShdw>
+          </a:effectLst>
+        </p:spPr>
+      </p:pic>
+      <p:pic>
+        <p:nvPicPr>
+          <p:cNvPr id="7" name="图片 6">
+            <a:extLst>
+              <a:ext uri="{FF2B5EF4-FFF2-40B4-BE49-F238E27FC236}">
+                <a16:creationId xmlns:a16="http://schemas.microsoft.com/office/drawing/2014/main" id="{F56D8988-1ABB-5860-DF37-F1422A5D616A}"/>
+              </a:ext>
+            </a:extLst>
+          </p:cNvPr>
+          <p:cNvPicPr>
+            <a:picLocks noChangeAspect="1"/>
+          </p:cNvPicPr>
+          <p:nvPr/>
+        </p:nvPicPr>
+        <p:blipFill>
+          <a:blip r:embed="rId3"/>
+          <a:stretch>
+            <a:fillRect/>
+          </a:stretch>
+        </p:blipFill>
+        <p:spPr>
+          <a:xfrm>
+            <a:off x="736167" y="1724702"/>
+            <a:ext cx="4694815" cy="3037002"/>
+          </a:xfrm>
+          <a:prstGeom prst="rect">
+            <a:avLst/>
+          </a:prstGeom>
+        </p:spPr>
+      </p:pic>
+      <p:sp>
+        <p:nvSpPr>
+          <p:cNvPr id="9" name="文本框 8">
+            <a:extLst>
+              <a:ext uri="{FF2B5EF4-FFF2-40B4-BE49-F238E27FC236}">
+                <a16:creationId xmlns:a16="http://schemas.microsoft.com/office/drawing/2014/main" id="{11BDDB37-33BC-D676-88BD-F5DD52E6672B}"/>
+              </a:ext>
+            </a:extLst>
+          </p:cNvPr>
+          <p:cNvSpPr txBox="1"/>
+          <p:nvPr/>
+        </p:nvSpPr>
+        <p:spPr>
+          <a:xfrm>
+            <a:off x="651524" y="6437050"/>
+            <a:ext cx="6096000" cy="369332"/>
+          </a:xfrm>
+          <a:prstGeom prst="rect">
+            <a:avLst/>
+          </a:prstGeom>
+          <a:noFill/>
+        </p:spPr>
+        <p:txBody>
+          <a:bodyPr wrap="square">
+            <a:spAutoFit/>
+          </a:bodyPr>
+          <a:lstStyle/>
+          <a:p>
+            <a:r>
+              <a:rPr lang="en-US" altLang="zh-CN" dirty="0">
+                <a:hlinkClick r:id="rId4"/>
+              </a:rPr>
+              <a:t>Hessian</a:t>
+            </a:r>
+            <a:r>
+              <a:rPr lang="zh-CN" altLang="en-US" dirty="0">
+                <a:hlinkClick r:id="rId4"/>
+              </a:rPr>
+              <a:t>矩阵 </a:t>
+            </a:r>
+            <a:r>
+              <a:rPr lang="en-US" altLang="zh-CN" dirty="0">
+                <a:hlinkClick r:id="rId4"/>
+              </a:rPr>
+              <a:t>- </a:t>
+            </a:r>
+            <a:r>
+              <a:rPr lang="zh-CN" altLang="en-US" dirty="0">
+                <a:hlinkClick r:id="rId4"/>
+              </a:rPr>
+              <a:t>知乎 </a:t>
+            </a:r>
+            <a:r>
+              <a:rPr lang="en-US" altLang="zh-CN" dirty="0">
+                <a:hlinkClick r:id="rId4"/>
+              </a:rPr>
+              <a:t>(zhihu.com)</a:t>
+            </a:r>
+            <a:endParaRPr lang="zh-CN" altLang="en-US" dirty="0"/>
+          </a:p>
+        </p:txBody>
+      </p:sp>
+    </p:spTree>
+    <p:extLst>
+      <p:ext uri="{BB962C8B-B14F-4D97-AF65-F5344CB8AC3E}">
+        <p14:creationId xmlns:p14="http://schemas.microsoft.com/office/powerpoint/2010/main" val="1219014302"/>
+      </p:ext>
+    </p:extLst>
+  </p:cSld>
+  <p:clrMapOvr>
+    <a:masterClrMapping/>
+  </p:clrMapOvr>
+</p:sld>
+</file>
+
+<file path=ppt/slides/slide39.xml><?xml version="1.0" encoding="utf-8"?>
+<p:sld xmlns:a="http://schemas.openxmlformats.org/drawingml/2006/main" xmlns:r="http://schemas.openxmlformats.org/officeDocument/2006/relationships" xmlns:p="http://schemas.openxmlformats.org/presentationml/2006/main">
+  <p:cSld>
+    <p:spTree>
+      <p:nvGrpSpPr>
+        <p:cNvPr id="1" name=""/>
+        <p:cNvGrpSpPr/>
+        <p:nvPr/>
+      </p:nvGrpSpPr>
+      <p:grpSpPr>
+        <a:xfrm>
+          <a:off x="0" y="0"/>
+          <a:ext cx="0" cy="0"/>
+          <a:chOff x="0" y="0"/>
+          <a:chExt cx="0" cy="0"/>
+        </a:xfrm>
+      </p:grpSpPr>
+      <p:sp>
+        <p:nvSpPr>
+          <p:cNvPr id="2" name="标题 1">
+            <a:extLst>
+              <a:ext uri="{FF2B5EF4-FFF2-40B4-BE49-F238E27FC236}">
+                <a16:creationId xmlns:a16="http://schemas.microsoft.com/office/drawing/2014/main" id="{379CB821-0745-768E-6166-4C75B5B8B97F}"/>
+              </a:ext>
+            </a:extLst>
+          </p:cNvPr>
+          <p:cNvSpPr>
+            <a:spLocks noGrp="1"/>
+          </p:cNvSpPr>
+          <p:nvPr>
+            <p:ph type="title"/>
+          </p:nvPr>
+        </p:nvSpPr>
+        <p:spPr/>
+        <p:txBody>
+          <a:bodyPr/>
+          <a:lstStyle/>
+          <a:p>
+            <a:r>
+              <a:rPr lang="zh-CN" altLang="en-US" dirty="0"/>
+              <a:t>范数</a:t>
+            </a:r>
+            <a:r>
+              <a:rPr lang="en-US" altLang="zh-CN" dirty="0"/>
+              <a:t>norm,|| ||</a:t>
+            </a:r>
+            <a:r>
+              <a:rPr lang="zh-CN" altLang="en-US" dirty="0"/>
+              <a:t>右下角的</a:t>
+            </a:r>
+            <a:r>
+              <a:rPr lang="en-US" altLang="zh-CN" dirty="0"/>
+              <a:t>2</a:t>
+            </a:r>
+            <a:r>
+              <a:rPr lang="zh-CN" altLang="en-US" dirty="0"/>
+              <a:t>是什么意思？</a:t>
+            </a:r>
+          </a:p>
+        </p:txBody>
+      </p:sp>
+      <p:sp>
+        <p:nvSpPr>
+          <p:cNvPr id="3" name="内容占位符 2">
+            <a:extLst>
+              <a:ext uri="{FF2B5EF4-FFF2-40B4-BE49-F238E27FC236}">
+                <a16:creationId xmlns:a16="http://schemas.microsoft.com/office/drawing/2014/main" id="{40BBE95C-7A75-4F6B-1EEC-0FABAE48E83A}"/>
+              </a:ext>
+            </a:extLst>
+          </p:cNvPr>
+          <p:cNvSpPr>
+            <a:spLocks noGrp="1"/>
+          </p:cNvSpPr>
+          <p:nvPr>
+            <p:ph idx="1"/>
+          </p:nvPr>
+        </p:nvSpPr>
+        <p:spPr/>
+        <p:txBody>
+          <a:bodyPr/>
+          <a:lstStyle/>
+          <a:p>
+            <a:endParaRPr lang="zh-CN" altLang="en-US" dirty="0"/>
+          </a:p>
+        </p:txBody>
+      </p:sp>
+      <p:pic>
+        <p:nvPicPr>
+          <p:cNvPr id="5" name="图片 4">
+            <a:extLst>
+              <a:ext uri="{FF2B5EF4-FFF2-40B4-BE49-F238E27FC236}">
+                <a16:creationId xmlns:a16="http://schemas.microsoft.com/office/drawing/2014/main" id="{8621F7FD-2196-3E82-30DA-016B2C40E876}"/>
+              </a:ext>
+            </a:extLst>
+          </p:cNvPr>
+          <p:cNvPicPr>
+            <a:picLocks noChangeAspect="1"/>
+          </p:cNvPicPr>
+          <p:nvPr/>
+        </p:nvPicPr>
+        <p:blipFill>
+          <a:blip r:embed="rId2"/>
+          <a:stretch>
+            <a:fillRect/>
+          </a:stretch>
+        </p:blipFill>
+        <p:spPr>
+          <a:xfrm>
+            <a:off x="6605732" y="1547669"/>
+            <a:ext cx="5372100" cy="2781300"/>
+          </a:xfrm>
+          <a:prstGeom prst="rect">
+            <a:avLst/>
+          </a:prstGeom>
+        </p:spPr>
+      </p:pic>
+      <p:pic>
+        <p:nvPicPr>
+          <p:cNvPr id="7" name="图片 6">
+            <a:extLst>
+              <a:ext uri="{FF2B5EF4-FFF2-40B4-BE49-F238E27FC236}">
+                <a16:creationId xmlns:a16="http://schemas.microsoft.com/office/drawing/2014/main" id="{ECCA1C1D-21C1-5254-220E-8D50C71BA431}"/>
+              </a:ext>
+            </a:extLst>
+          </p:cNvPr>
+          <p:cNvPicPr>
+            <a:picLocks noChangeAspect="1"/>
+          </p:cNvPicPr>
+          <p:nvPr/>
+        </p:nvPicPr>
+        <p:blipFill>
+          <a:blip r:embed="rId3"/>
+          <a:stretch>
+            <a:fillRect/>
+          </a:stretch>
+        </p:blipFill>
+        <p:spPr>
+          <a:xfrm>
+            <a:off x="432522" y="1547669"/>
+            <a:ext cx="5895975" cy="2247900"/>
+          </a:xfrm>
+          <a:prstGeom prst="rect">
+            <a:avLst/>
+          </a:prstGeom>
+          <a:ln>
+            <a:noFill/>
+          </a:ln>
+          <a:effectLst>
+            <a:outerShdw blurRad="292100" dist="139700" dir="2700000" algn="tl" rotWithShape="0">
+              <a:srgbClr val="333333">
+                <a:alpha val="65000"/>
+              </a:srgbClr>
+            </a:outerShdw>
+          </a:effectLst>
+        </p:spPr>
+      </p:pic>
+    </p:spTree>
+    <p:extLst>
+      <p:ext uri="{BB962C8B-B14F-4D97-AF65-F5344CB8AC3E}">
+        <p14:creationId xmlns:p14="http://schemas.microsoft.com/office/powerpoint/2010/main" val="462124693"/>
+      </p:ext>
+    </p:extLst>
+  </p:cSld>
+  <p:clrMapOvr>
+    <a:masterClrMapping/>
+  </p:clrMapOvr>
+</p:sld>
+</file>
+
 <file path=ppt/slides/slide4.xml><?xml version="1.0" encoding="utf-8"?>
 <p:sld xmlns:a="http://schemas.openxmlformats.org/drawingml/2006/main" xmlns:r="http://schemas.openxmlformats.org/officeDocument/2006/relationships" xmlns:p="http://schemas.openxmlformats.org/presentationml/2006/main">
   <p:cSld>
@@ -13737,6 +15009,935 @@
     <p:extLst>
       <p:ext uri="{BB962C8B-B14F-4D97-AF65-F5344CB8AC3E}">
         <p14:creationId xmlns:p14="http://schemas.microsoft.com/office/powerpoint/2010/main" val="3779471968"/>
+      </p:ext>
+    </p:extLst>
+  </p:cSld>
+  <p:clrMapOvr>
+    <a:masterClrMapping/>
+  </p:clrMapOvr>
+</p:sld>
+</file>
+
+<file path=ppt/slides/slide40.xml><?xml version="1.0" encoding="utf-8"?>
+<p:sld xmlns:a="http://schemas.openxmlformats.org/drawingml/2006/main" xmlns:r="http://schemas.openxmlformats.org/officeDocument/2006/relationships" xmlns:p="http://schemas.openxmlformats.org/presentationml/2006/main">
+  <p:cSld>
+    <p:spTree>
+      <p:nvGrpSpPr>
+        <p:cNvPr id="1" name=""/>
+        <p:cNvGrpSpPr/>
+        <p:nvPr/>
+      </p:nvGrpSpPr>
+      <p:grpSpPr>
+        <a:xfrm>
+          <a:off x="0" y="0"/>
+          <a:ext cx="0" cy="0"/>
+          <a:chOff x="0" y="0"/>
+          <a:chExt cx="0" cy="0"/>
+        </a:xfrm>
+      </p:grpSpPr>
+      <p:sp>
+        <p:nvSpPr>
+          <p:cNvPr id="2" name="标题 1">
+            <a:extLst>
+              <a:ext uri="{FF2B5EF4-FFF2-40B4-BE49-F238E27FC236}">
+                <a16:creationId xmlns:a16="http://schemas.microsoft.com/office/drawing/2014/main" id="{9EB89BCE-10A8-49A0-95EE-643B3885D117}"/>
+              </a:ext>
+            </a:extLst>
+          </p:cNvPr>
+          <p:cNvSpPr>
+            <a:spLocks noGrp="1"/>
+          </p:cNvSpPr>
+          <p:nvPr>
+            <p:ph type="title"/>
+          </p:nvPr>
+        </p:nvSpPr>
+        <p:spPr/>
+        <p:txBody>
+          <a:bodyPr/>
+          <a:lstStyle/>
+          <a:p>
+            <a:endParaRPr lang="zh-CN" altLang="en-US"/>
+          </a:p>
+        </p:txBody>
+      </p:sp>
+      <p:sp>
+        <p:nvSpPr>
+          <p:cNvPr id="3" name="内容占位符 2">
+            <a:extLst>
+              <a:ext uri="{FF2B5EF4-FFF2-40B4-BE49-F238E27FC236}">
+                <a16:creationId xmlns:a16="http://schemas.microsoft.com/office/drawing/2014/main" id="{AB865473-8D80-BE80-3577-8E11D298D323}"/>
+              </a:ext>
+            </a:extLst>
+          </p:cNvPr>
+          <p:cNvSpPr>
+            <a:spLocks noGrp="1"/>
+          </p:cNvSpPr>
+          <p:nvPr>
+            <p:ph idx="1"/>
+          </p:nvPr>
+        </p:nvSpPr>
+        <p:spPr/>
+        <p:txBody>
+          <a:bodyPr/>
+          <a:lstStyle/>
+          <a:p>
+            <a:r>
+              <a:rPr lang="zh-CN" altLang="en-US" dirty="0"/>
+              <a:t>范数分为向量范数和矩阵范数。</a:t>
+            </a:r>
+            <a:endParaRPr lang="en-US" altLang="zh-CN" dirty="0"/>
+          </a:p>
+          <a:p>
+            <a:endParaRPr lang="en-US" altLang="zh-CN" dirty="0"/>
+          </a:p>
+          <a:p>
+            <a:endParaRPr lang="en-US" altLang="zh-CN" dirty="0"/>
+          </a:p>
+          <a:p>
+            <a:endParaRPr lang="en-US" altLang="zh-CN" dirty="0"/>
+          </a:p>
+          <a:p>
+            <a:r>
+              <a:rPr lang="zh-CN" altLang="en-US" dirty="0">
+                <a:highlight>
+                  <a:srgbClr val="FF0000"/>
+                </a:highlight>
+              </a:rPr>
+              <a:t>为什么有的范数定义里</a:t>
+            </a:r>
+            <a:r>
+              <a:rPr lang="en-US" altLang="zh-CN" dirty="0">
+                <a:highlight>
+                  <a:srgbClr val="FF0000"/>
+                </a:highlight>
+              </a:rPr>
+              <a:t>X</a:t>
+            </a:r>
+            <a:r>
+              <a:rPr lang="zh-CN" altLang="en-US" dirty="0">
+                <a:highlight>
+                  <a:srgbClr val="FF0000"/>
+                </a:highlight>
+              </a:rPr>
+              <a:t>是一个数组，有的</a:t>
+            </a:r>
+            <a:r>
+              <a:rPr lang="en-US" altLang="zh-CN" dirty="0">
+                <a:highlight>
+                  <a:srgbClr val="FF0000"/>
+                </a:highlight>
+              </a:rPr>
+              <a:t>X</a:t>
+            </a:r>
+            <a:r>
+              <a:rPr lang="zh-CN" altLang="en-US" dirty="0">
+                <a:highlight>
+                  <a:srgbClr val="FF0000"/>
+                </a:highlight>
+              </a:rPr>
+              <a:t>是向量组？</a:t>
+            </a:r>
+            <a:endParaRPr lang="en-US" altLang="zh-CN" dirty="0">
+              <a:highlight>
+                <a:srgbClr val="FF0000"/>
+              </a:highlight>
+            </a:endParaRPr>
+          </a:p>
+          <a:p>
+            <a:r>
+              <a:rPr lang="zh-CN" altLang="en-US" dirty="0"/>
+              <a:t>不对，就是向量（数组）</a:t>
+            </a:r>
+          </a:p>
+        </p:txBody>
+      </p:sp>
+      <p:sp>
+        <p:nvSpPr>
+          <p:cNvPr id="5" name="文本框 4">
+            <a:extLst>
+              <a:ext uri="{FF2B5EF4-FFF2-40B4-BE49-F238E27FC236}">
+                <a16:creationId xmlns:a16="http://schemas.microsoft.com/office/drawing/2014/main" id="{62C5A628-C001-7FED-B617-05E081D81C14}"/>
+              </a:ext>
+            </a:extLst>
+          </p:cNvPr>
+          <p:cNvSpPr txBox="1"/>
+          <p:nvPr/>
+        </p:nvSpPr>
+        <p:spPr>
+          <a:xfrm>
+            <a:off x="1182255" y="2526253"/>
+            <a:ext cx="7832436" cy="369332"/>
+          </a:xfrm>
+          <a:prstGeom prst="rect">
+            <a:avLst/>
+          </a:prstGeom>
+          <a:noFill/>
+        </p:spPr>
+        <p:txBody>
+          <a:bodyPr wrap="square">
+            <a:spAutoFit/>
+          </a:bodyPr>
+          <a:lstStyle/>
+          <a:p>
+            <a:r>
+              <a:rPr lang="zh-CN" altLang="en-US" dirty="0">
+                <a:hlinkClick r:id="rId2"/>
+              </a:rPr>
+              <a:t>什么是范数（</a:t>
+            </a:r>
+            <a:r>
+              <a:rPr lang="en-US" altLang="zh-CN" dirty="0">
+                <a:hlinkClick r:id="rId2"/>
+              </a:rPr>
+              <a:t>norm</a:t>
+            </a:r>
+            <a:r>
+              <a:rPr lang="zh-CN" altLang="en-US" dirty="0">
+                <a:hlinkClick r:id="rId2"/>
+              </a:rPr>
+              <a:t>）？以及</a:t>
+            </a:r>
+            <a:r>
+              <a:rPr lang="en-US" altLang="zh-CN" dirty="0">
+                <a:hlinkClick r:id="rId2"/>
+              </a:rPr>
+              <a:t>L1,L2</a:t>
+            </a:r>
+            <a:r>
+              <a:rPr lang="zh-CN" altLang="en-US" dirty="0">
+                <a:hlinkClick r:id="rId2"/>
+              </a:rPr>
+              <a:t>范数的简单介绍</a:t>
+            </a:r>
+            <a:r>
+              <a:rPr lang="en-US" altLang="zh-CN" dirty="0">
+                <a:hlinkClick r:id="rId2"/>
+              </a:rPr>
+              <a:t>_l1 norm-CSDN</a:t>
+            </a:r>
+            <a:r>
+              <a:rPr lang="zh-CN" altLang="en-US" dirty="0">
+                <a:hlinkClick r:id="rId2"/>
+              </a:rPr>
+              <a:t>博客</a:t>
+            </a:r>
+            <a:endParaRPr lang="zh-CN" altLang="en-US" dirty="0"/>
+          </a:p>
+        </p:txBody>
+      </p:sp>
+      <p:sp>
+        <p:nvSpPr>
+          <p:cNvPr id="7" name="文本框 6">
+            <a:extLst>
+              <a:ext uri="{FF2B5EF4-FFF2-40B4-BE49-F238E27FC236}">
+                <a16:creationId xmlns:a16="http://schemas.microsoft.com/office/drawing/2014/main" id="{4F5452A4-AB98-52E2-5879-C6E5CBC0510D}"/>
+              </a:ext>
+            </a:extLst>
+          </p:cNvPr>
+          <p:cNvSpPr txBox="1"/>
+          <p:nvPr/>
+        </p:nvSpPr>
+        <p:spPr>
+          <a:xfrm>
+            <a:off x="1182255" y="3036638"/>
+            <a:ext cx="6096000" cy="369332"/>
+          </a:xfrm>
+          <a:prstGeom prst="rect">
+            <a:avLst/>
+          </a:prstGeom>
+          <a:noFill/>
+        </p:spPr>
+        <p:txBody>
+          <a:bodyPr wrap="square">
+            <a:spAutoFit/>
+          </a:bodyPr>
+          <a:lstStyle/>
+          <a:p>
+            <a:r>
+              <a:rPr lang="zh-CN" altLang="en-US" dirty="0">
+                <a:hlinkClick r:id="rId3"/>
+              </a:rPr>
+              <a:t>向量范数与矩阵范数 </a:t>
+            </a:r>
+            <a:r>
+              <a:rPr lang="en-US" altLang="zh-CN" dirty="0">
+                <a:hlinkClick r:id="rId3"/>
+              </a:rPr>
+              <a:t>- </a:t>
+            </a:r>
+            <a:r>
+              <a:rPr lang="zh-CN" altLang="en-US" dirty="0">
+                <a:hlinkClick r:id="rId3"/>
+              </a:rPr>
+              <a:t>凯鲁嘎吉 </a:t>
+            </a:r>
+            <a:r>
+              <a:rPr lang="en-US" altLang="zh-CN" dirty="0">
+                <a:hlinkClick r:id="rId3"/>
+              </a:rPr>
+              <a:t>- </a:t>
+            </a:r>
+            <a:r>
+              <a:rPr lang="zh-CN" altLang="en-US" dirty="0">
+                <a:hlinkClick r:id="rId3"/>
+              </a:rPr>
+              <a:t>博客园 </a:t>
+            </a:r>
+            <a:r>
+              <a:rPr lang="en-US" altLang="zh-CN" dirty="0">
+                <a:hlinkClick r:id="rId3"/>
+              </a:rPr>
+              <a:t>(cnblogs.com)</a:t>
+            </a:r>
+            <a:endParaRPr lang="zh-CN" altLang="en-US" dirty="0"/>
+          </a:p>
+        </p:txBody>
+      </p:sp>
+      <p:sp>
+        <p:nvSpPr>
+          <p:cNvPr id="9" name="文本框 8">
+            <a:extLst>
+              <a:ext uri="{FF2B5EF4-FFF2-40B4-BE49-F238E27FC236}">
+                <a16:creationId xmlns:a16="http://schemas.microsoft.com/office/drawing/2014/main" id="{51848053-C41C-E784-836E-62B066720E42}"/>
+              </a:ext>
+            </a:extLst>
+          </p:cNvPr>
+          <p:cNvSpPr txBox="1"/>
+          <p:nvPr/>
+        </p:nvSpPr>
+        <p:spPr>
+          <a:xfrm>
+            <a:off x="1320799" y="4669090"/>
+            <a:ext cx="8599055" cy="369332"/>
+          </a:xfrm>
+          <a:prstGeom prst="rect">
+            <a:avLst/>
+          </a:prstGeom>
+          <a:noFill/>
+        </p:spPr>
+        <p:txBody>
+          <a:bodyPr wrap="square">
+            <a:spAutoFit/>
+          </a:bodyPr>
+          <a:lstStyle/>
+          <a:p>
+            <a:r>
+              <a:rPr lang="zh-CN" altLang="en-US" dirty="0">
+                <a:hlinkClick r:id="rId2"/>
+              </a:rPr>
+              <a:t>什么是范数（</a:t>
+            </a:r>
+            <a:r>
+              <a:rPr lang="en-US" altLang="zh-CN" dirty="0">
+                <a:hlinkClick r:id="rId2"/>
+              </a:rPr>
+              <a:t>norm</a:t>
+            </a:r>
+            <a:r>
+              <a:rPr lang="zh-CN" altLang="en-US" dirty="0">
+                <a:hlinkClick r:id="rId2"/>
+              </a:rPr>
+              <a:t>）？以及</a:t>
+            </a:r>
+            <a:r>
+              <a:rPr lang="en-US" altLang="zh-CN" dirty="0">
+                <a:hlinkClick r:id="rId2"/>
+              </a:rPr>
+              <a:t>L1,L2</a:t>
+            </a:r>
+            <a:r>
+              <a:rPr lang="zh-CN" altLang="en-US" dirty="0">
+                <a:hlinkClick r:id="rId2"/>
+              </a:rPr>
+              <a:t>范数的简单介绍</a:t>
+            </a:r>
+            <a:r>
+              <a:rPr lang="en-US" altLang="zh-CN" dirty="0">
+                <a:hlinkClick r:id="rId2"/>
+              </a:rPr>
+              <a:t>_l1 norm-CSDN</a:t>
+            </a:r>
+            <a:r>
+              <a:rPr lang="zh-CN" altLang="en-US" dirty="0">
+                <a:hlinkClick r:id="rId2"/>
+              </a:rPr>
+              <a:t>博客</a:t>
+            </a:r>
+            <a:endParaRPr lang="zh-CN" altLang="en-US" dirty="0"/>
+          </a:p>
+        </p:txBody>
+      </p:sp>
+      <p:pic>
+        <p:nvPicPr>
+          <p:cNvPr id="11" name="图片 10">
+            <a:extLst>
+              <a:ext uri="{FF2B5EF4-FFF2-40B4-BE49-F238E27FC236}">
+                <a16:creationId xmlns:a16="http://schemas.microsoft.com/office/drawing/2014/main" id="{3C6ED198-166D-DF3B-14A3-9B8DA19F9D6E}"/>
+              </a:ext>
+            </a:extLst>
+          </p:cNvPr>
+          <p:cNvPicPr>
+            <a:picLocks noChangeAspect="1"/>
+          </p:cNvPicPr>
+          <p:nvPr/>
+        </p:nvPicPr>
+        <p:blipFill>
+          <a:blip r:embed="rId4"/>
+          <a:stretch>
+            <a:fillRect/>
+          </a:stretch>
+        </p:blipFill>
+        <p:spPr>
+          <a:xfrm>
+            <a:off x="5891934" y="4456698"/>
+            <a:ext cx="6061590" cy="2230430"/>
+          </a:xfrm>
+          <a:prstGeom prst="rect">
+            <a:avLst/>
+          </a:prstGeom>
+          <a:ln>
+            <a:noFill/>
+          </a:ln>
+          <a:effectLst>
+            <a:outerShdw blurRad="292100" dist="139700" dir="2700000" algn="tl" rotWithShape="0">
+              <a:srgbClr val="333333">
+                <a:alpha val="65000"/>
+              </a:srgbClr>
+            </a:outerShdw>
+          </a:effectLst>
+        </p:spPr>
+      </p:pic>
+    </p:spTree>
+    <p:extLst>
+      <p:ext uri="{BB962C8B-B14F-4D97-AF65-F5344CB8AC3E}">
+        <p14:creationId xmlns:p14="http://schemas.microsoft.com/office/powerpoint/2010/main" val="3694011626"/>
+      </p:ext>
+    </p:extLst>
+  </p:cSld>
+  <p:clrMapOvr>
+    <a:masterClrMapping/>
+  </p:clrMapOvr>
+</p:sld>
+</file>
+
+<file path=ppt/slides/slide41.xml><?xml version="1.0" encoding="utf-8"?>
+<p:sld xmlns:a="http://schemas.openxmlformats.org/drawingml/2006/main" xmlns:r="http://schemas.openxmlformats.org/officeDocument/2006/relationships" xmlns:p="http://schemas.openxmlformats.org/presentationml/2006/main">
+  <p:cSld>
+    <p:spTree>
+      <p:nvGrpSpPr>
+        <p:cNvPr id="1" name=""/>
+        <p:cNvGrpSpPr/>
+        <p:nvPr/>
+      </p:nvGrpSpPr>
+      <p:grpSpPr>
+        <a:xfrm>
+          <a:off x="0" y="0"/>
+          <a:ext cx="0" cy="0"/>
+          <a:chOff x="0" y="0"/>
+          <a:chExt cx="0" cy="0"/>
+        </a:xfrm>
+      </p:grpSpPr>
+      <p:sp>
+        <p:nvSpPr>
+          <p:cNvPr id="2" name="标题 1">
+            <a:extLst>
+              <a:ext uri="{FF2B5EF4-FFF2-40B4-BE49-F238E27FC236}">
+                <a16:creationId xmlns:a16="http://schemas.microsoft.com/office/drawing/2014/main" id="{D7D91458-C4A5-2CE5-2333-21AF76F44CDD}"/>
+              </a:ext>
+            </a:extLst>
+          </p:cNvPr>
+          <p:cNvSpPr>
+            <a:spLocks noGrp="1"/>
+          </p:cNvSpPr>
+          <p:nvPr>
+            <p:ph type="title"/>
+          </p:nvPr>
+        </p:nvSpPr>
+        <p:spPr/>
+        <p:txBody>
+          <a:bodyPr/>
+          <a:lstStyle/>
+          <a:p>
+            <a:endParaRPr lang="zh-CN" altLang="en-US"/>
+          </a:p>
+        </p:txBody>
+      </p:sp>
+      <p:sp>
+        <p:nvSpPr>
+          <p:cNvPr id="3" name="内容占位符 2">
+            <a:extLst>
+              <a:ext uri="{FF2B5EF4-FFF2-40B4-BE49-F238E27FC236}">
+                <a16:creationId xmlns:a16="http://schemas.microsoft.com/office/drawing/2014/main" id="{E2E96447-C5E5-F9E0-4CFD-A0FCC13B14A2}"/>
+              </a:ext>
+            </a:extLst>
+          </p:cNvPr>
+          <p:cNvSpPr>
+            <a:spLocks noGrp="1"/>
+          </p:cNvSpPr>
+          <p:nvPr>
+            <p:ph idx="1"/>
+          </p:nvPr>
+        </p:nvSpPr>
+        <p:spPr/>
+        <p:txBody>
+          <a:bodyPr/>
+          <a:lstStyle/>
+          <a:p>
+            <a:r>
+              <a:rPr lang="en-US" altLang="zh-CN"/>
+              <a:t>GD</a:t>
+            </a:r>
+            <a:r>
+              <a:rPr lang="zh-CN" altLang="en-US"/>
+              <a:t>就是</a:t>
+            </a:r>
+            <a:r>
+              <a:rPr lang="en-US" altLang="zh-CN"/>
+              <a:t>gradient descent </a:t>
+            </a:r>
+          </a:p>
+          <a:p>
+            <a:r>
+              <a:rPr lang="en-US" altLang="zh-CN"/>
+              <a:t>Stochastic gradient descent (SGD) </a:t>
+            </a:r>
+            <a:r>
+              <a:rPr lang="zh-CN" altLang="en-US"/>
+              <a:t>随机梯度下降</a:t>
+            </a:r>
+            <a:endParaRPr lang="en-US" altLang="zh-CN"/>
+          </a:p>
+          <a:p>
+            <a:endParaRPr lang="en-US" altLang="zh-CN"/>
+          </a:p>
+          <a:p>
+            <a:r>
+              <a:rPr lang="en-US" altLang="zh-CN"/>
+              <a:t>domF</a:t>
+            </a:r>
+            <a:r>
+              <a:rPr lang="zh-CN" altLang="en-US"/>
+              <a:t>就是</a:t>
+            </a:r>
+            <a:r>
+              <a:rPr lang="en-US" altLang="zh-CN"/>
+              <a:t>F</a:t>
+            </a:r>
+            <a:r>
+              <a:rPr lang="zh-CN" altLang="en-US"/>
+              <a:t>的前域，也就是定义域</a:t>
+            </a:r>
+            <a:endParaRPr lang="zh-CN" altLang="en-US" dirty="0"/>
+          </a:p>
+        </p:txBody>
+      </p:sp>
+      <p:pic>
+        <p:nvPicPr>
+          <p:cNvPr id="5" name="图片 4">
+            <a:extLst>
+              <a:ext uri="{FF2B5EF4-FFF2-40B4-BE49-F238E27FC236}">
+                <a16:creationId xmlns:a16="http://schemas.microsoft.com/office/drawing/2014/main" id="{E1C255B4-4A8D-73C8-BC6D-B9CAD19DDA97}"/>
+              </a:ext>
+            </a:extLst>
+          </p:cNvPr>
+          <p:cNvPicPr>
+            <a:picLocks noChangeAspect="1"/>
+          </p:cNvPicPr>
+          <p:nvPr/>
+        </p:nvPicPr>
+        <p:blipFill>
+          <a:blip r:embed="rId2"/>
+          <a:stretch>
+            <a:fillRect/>
+          </a:stretch>
+        </p:blipFill>
+        <p:spPr>
+          <a:xfrm>
+            <a:off x="2854468" y="3937578"/>
+            <a:ext cx="6335713" cy="1726054"/>
+          </a:xfrm>
+          <a:prstGeom prst="rect">
+            <a:avLst/>
+          </a:prstGeom>
+          <a:ln>
+            <a:noFill/>
+          </a:ln>
+          <a:effectLst>
+            <a:outerShdw blurRad="292100" dist="139700" dir="2700000" algn="tl" rotWithShape="0">
+              <a:srgbClr val="333333">
+                <a:alpha val="65000"/>
+              </a:srgbClr>
+            </a:outerShdw>
+          </a:effectLst>
+        </p:spPr>
+      </p:pic>
+      <p:sp>
+        <p:nvSpPr>
+          <p:cNvPr id="7" name="文本框 6">
+            <a:extLst>
+              <a:ext uri="{FF2B5EF4-FFF2-40B4-BE49-F238E27FC236}">
+                <a16:creationId xmlns:a16="http://schemas.microsoft.com/office/drawing/2014/main" id="{10D3EE62-25AB-A3FA-D3B2-E15D4449F7C8}"/>
+              </a:ext>
+            </a:extLst>
+          </p:cNvPr>
+          <p:cNvSpPr txBox="1"/>
+          <p:nvPr/>
+        </p:nvSpPr>
+        <p:spPr>
+          <a:xfrm>
+            <a:off x="7222837" y="3424247"/>
+            <a:ext cx="6096000" cy="369332"/>
+          </a:xfrm>
+          <a:prstGeom prst="rect">
+            <a:avLst/>
+          </a:prstGeom>
+          <a:noFill/>
+        </p:spPr>
+        <p:txBody>
+          <a:bodyPr wrap="square">
+            <a:spAutoFit/>
+          </a:bodyPr>
+          <a:lstStyle/>
+          <a:p>
+            <a:r>
+              <a:rPr lang="zh-CN" altLang="en-US" dirty="0">
+                <a:hlinkClick r:id="rId3"/>
+              </a:rPr>
+              <a:t>数学符号表 </a:t>
+            </a:r>
+            <a:r>
+              <a:rPr lang="en-US" altLang="zh-CN" dirty="0">
+                <a:hlinkClick r:id="rId3"/>
+              </a:rPr>
+              <a:t>- OI Wiki (oi-wiki.org)</a:t>
+            </a:r>
+            <a:endParaRPr lang="zh-CN" altLang="en-US" dirty="0"/>
+          </a:p>
+        </p:txBody>
+      </p:sp>
+    </p:spTree>
+    <p:extLst>
+      <p:ext uri="{BB962C8B-B14F-4D97-AF65-F5344CB8AC3E}">
+        <p14:creationId xmlns:p14="http://schemas.microsoft.com/office/powerpoint/2010/main" val="2368002271"/>
+      </p:ext>
+    </p:extLst>
+  </p:cSld>
+  <p:clrMapOvr>
+    <a:masterClrMapping/>
+  </p:clrMapOvr>
+</p:sld>
+</file>
+
+<file path=ppt/slides/slide42.xml><?xml version="1.0" encoding="utf-8"?>
+<p:sld xmlns:a="http://schemas.openxmlformats.org/drawingml/2006/main" xmlns:r="http://schemas.openxmlformats.org/officeDocument/2006/relationships" xmlns:p="http://schemas.openxmlformats.org/presentationml/2006/main">
+  <p:cSld>
+    <p:spTree>
+      <p:nvGrpSpPr>
+        <p:cNvPr id="1" name=""/>
+        <p:cNvGrpSpPr/>
+        <p:nvPr/>
+      </p:nvGrpSpPr>
+      <p:grpSpPr>
+        <a:xfrm>
+          <a:off x="0" y="0"/>
+          <a:ext cx="0" cy="0"/>
+          <a:chOff x="0" y="0"/>
+          <a:chExt cx="0" cy="0"/>
+        </a:xfrm>
+      </p:grpSpPr>
+      <p:sp>
+        <p:nvSpPr>
+          <p:cNvPr id="2" name="标题 1">
+            <a:extLst>
+              <a:ext uri="{FF2B5EF4-FFF2-40B4-BE49-F238E27FC236}">
+                <a16:creationId xmlns:a16="http://schemas.microsoft.com/office/drawing/2014/main" id="{28CD7E27-EF38-6880-C03D-B7ECD8832F9B}"/>
+              </a:ext>
+            </a:extLst>
+          </p:cNvPr>
+          <p:cNvSpPr>
+            <a:spLocks noGrp="1"/>
+          </p:cNvSpPr>
+          <p:nvPr>
+            <p:ph type="title"/>
+          </p:nvPr>
+        </p:nvSpPr>
+        <p:spPr/>
+        <p:txBody>
+          <a:bodyPr/>
+          <a:lstStyle/>
+          <a:p>
+            <a:r>
+              <a:rPr lang="en-US" altLang="zh-CN" dirty="0"/>
+              <a:t>3-1</a:t>
+            </a:r>
+            <a:r>
+              <a:rPr lang="zh-CN" altLang="en-US" dirty="0"/>
+              <a:t>的</a:t>
+            </a:r>
+            <a:r>
+              <a:rPr lang="en-US" altLang="zh-CN" dirty="0"/>
+              <a:t>Summary</a:t>
+            </a:r>
+            <a:r>
+              <a:rPr lang="zh-CN" altLang="en-US" dirty="0"/>
+              <a:t>总结得很到位啊</a:t>
+            </a:r>
+          </a:p>
+        </p:txBody>
+      </p:sp>
+      <p:sp>
+        <p:nvSpPr>
+          <p:cNvPr id="3" name="内容占位符 2">
+            <a:extLst>
+              <a:ext uri="{FF2B5EF4-FFF2-40B4-BE49-F238E27FC236}">
+                <a16:creationId xmlns:a16="http://schemas.microsoft.com/office/drawing/2014/main" id="{579E7436-0525-B253-A5C8-4F0F74D3ACEA}"/>
+              </a:ext>
+            </a:extLst>
+          </p:cNvPr>
+          <p:cNvSpPr>
+            <a:spLocks noGrp="1"/>
+          </p:cNvSpPr>
+          <p:nvPr>
+            <p:ph idx="1"/>
+          </p:nvPr>
+        </p:nvSpPr>
+        <p:spPr/>
+        <p:txBody>
+          <a:bodyPr/>
+          <a:lstStyle/>
+          <a:p>
+            <a:endParaRPr lang="zh-CN" altLang="en-US"/>
+          </a:p>
+        </p:txBody>
+      </p:sp>
+      <p:pic>
+        <p:nvPicPr>
+          <p:cNvPr id="5" name="图片 4">
+            <a:extLst>
+              <a:ext uri="{FF2B5EF4-FFF2-40B4-BE49-F238E27FC236}">
+                <a16:creationId xmlns:a16="http://schemas.microsoft.com/office/drawing/2014/main" id="{2896F966-EE2C-FE25-01ED-F56D328055BE}"/>
+              </a:ext>
+            </a:extLst>
+          </p:cNvPr>
+          <p:cNvPicPr>
+            <a:picLocks noChangeAspect="1"/>
+          </p:cNvPicPr>
+          <p:nvPr/>
+        </p:nvPicPr>
+        <p:blipFill>
+          <a:blip r:embed="rId2"/>
+          <a:stretch>
+            <a:fillRect/>
+          </a:stretch>
+        </p:blipFill>
+        <p:spPr>
+          <a:xfrm>
+            <a:off x="4987636" y="1799523"/>
+            <a:ext cx="7110892" cy="5058477"/>
+          </a:xfrm>
+          <a:prstGeom prst="rect">
+            <a:avLst/>
+          </a:prstGeom>
+        </p:spPr>
+      </p:pic>
+    </p:spTree>
+    <p:extLst>
+      <p:ext uri="{BB962C8B-B14F-4D97-AF65-F5344CB8AC3E}">
+        <p14:creationId xmlns:p14="http://schemas.microsoft.com/office/powerpoint/2010/main" val="1821857954"/>
+      </p:ext>
+    </p:extLst>
+  </p:cSld>
+  <p:clrMapOvr>
+    <a:masterClrMapping/>
+  </p:clrMapOvr>
+</p:sld>
+</file>
+
+<file path=ppt/slides/slide43.xml><?xml version="1.0" encoding="utf-8"?>
+<p:sld xmlns:a="http://schemas.openxmlformats.org/drawingml/2006/main" xmlns:r="http://schemas.openxmlformats.org/officeDocument/2006/relationships" xmlns:p="http://schemas.openxmlformats.org/presentationml/2006/main">
+  <p:cSld>
+    <p:spTree>
+      <p:nvGrpSpPr>
+        <p:cNvPr id="1" name=""/>
+        <p:cNvGrpSpPr/>
+        <p:nvPr/>
+      </p:nvGrpSpPr>
+      <p:grpSpPr>
+        <a:xfrm>
+          <a:off x="0" y="0"/>
+          <a:ext cx="0" cy="0"/>
+          <a:chOff x="0" y="0"/>
+          <a:chExt cx="0" cy="0"/>
+        </a:xfrm>
+      </p:grpSpPr>
+      <p:sp>
+        <p:nvSpPr>
+          <p:cNvPr id="2" name="标题 1">
+            <a:extLst>
+              <a:ext uri="{FF2B5EF4-FFF2-40B4-BE49-F238E27FC236}">
+                <a16:creationId xmlns:a16="http://schemas.microsoft.com/office/drawing/2014/main" id="{A0D0D533-380F-D244-426F-B11788480D35}"/>
+              </a:ext>
+            </a:extLst>
+          </p:cNvPr>
+          <p:cNvSpPr>
+            <a:spLocks noGrp="1"/>
+          </p:cNvSpPr>
+          <p:nvPr>
+            <p:ph type="title"/>
+          </p:nvPr>
+        </p:nvSpPr>
+        <p:spPr/>
+        <p:txBody>
+          <a:bodyPr/>
+          <a:lstStyle/>
+          <a:p>
+            <a:endParaRPr lang="zh-CN" altLang="en-US"/>
+          </a:p>
+        </p:txBody>
+      </p:sp>
+      <p:sp>
+        <p:nvSpPr>
+          <p:cNvPr id="3" name="内容占位符 2">
+            <a:extLst>
+              <a:ext uri="{FF2B5EF4-FFF2-40B4-BE49-F238E27FC236}">
+                <a16:creationId xmlns:a16="http://schemas.microsoft.com/office/drawing/2014/main" id="{E00FD38D-78AF-CB5A-1295-D5A9952A70B8}"/>
+              </a:ext>
+            </a:extLst>
+          </p:cNvPr>
+          <p:cNvSpPr>
+            <a:spLocks noGrp="1"/>
+          </p:cNvSpPr>
+          <p:nvPr>
+            <p:ph idx="1"/>
+          </p:nvPr>
+        </p:nvSpPr>
+        <p:spPr/>
+        <p:txBody>
+          <a:bodyPr/>
+          <a:lstStyle/>
+          <a:p>
+            <a:r>
+              <a:rPr lang="en-US" altLang="zh-CN" b="1" i="0" dirty="0">
+                <a:solidFill>
+                  <a:srgbClr val="000000"/>
+                </a:solidFill>
+                <a:effectLst/>
+                <a:latin typeface="Helvetica Neue"/>
+              </a:rPr>
+              <a:t>1. Loading the 20 Newsgroups Dataset  </a:t>
+            </a:r>
+          </a:p>
+          <a:p>
+            <a:pPr lvl="1"/>
+            <a:r>
+              <a:rPr lang="en-US" altLang="zh-CN" dirty="0" err="1"/>
+              <a:t>sklearn.datasets</a:t>
+            </a:r>
+            <a:endParaRPr lang="en-US" altLang="zh-CN" dirty="0"/>
+          </a:p>
+          <a:p>
+            <a:r>
+              <a:rPr lang="en-US" altLang="zh-CN" b="1" i="0" dirty="0">
+                <a:solidFill>
+                  <a:srgbClr val="000000"/>
+                </a:solidFill>
+                <a:effectLst/>
+                <a:latin typeface="Helvetica Neue"/>
+              </a:rPr>
+              <a:t>2. Extracting Features from Text Files</a:t>
+            </a:r>
+          </a:p>
+          <a:p>
+            <a:pPr lvl="1"/>
+            <a:r>
+              <a:rPr lang="en-US" altLang="zh-CN" b="1" i="0" dirty="0">
+                <a:solidFill>
+                  <a:srgbClr val="000000"/>
+                </a:solidFill>
+                <a:effectLst/>
+                <a:latin typeface="Helvetica Neue"/>
+              </a:rPr>
+              <a:t>one-hot encoding</a:t>
+            </a:r>
+          </a:p>
+          <a:p>
+            <a:pPr lvl="1"/>
+            <a:r>
+              <a:rPr lang="en-US" altLang="zh-CN" b="1" i="0" dirty="0">
+                <a:solidFill>
+                  <a:srgbClr val="000000"/>
+                </a:solidFill>
+                <a:effectLst/>
+                <a:latin typeface="Helvetica Neue"/>
+              </a:rPr>
+              <a:t>Bag of Words</a:t>
+            </a:r>
+          </a:p>
+          <a:p>
+            <a:pPr lvl="2"/>
+            <a:r>
+              <a:rPr lang="en-US" altLang="zh-CN" b="1" i="0" dirty="0" err="1">
+                <a:solidFill>
+                  <a:srgbClr val="000000"/>
+                </a:solidFill>
+                <a:effectLst/>
+                <a:latin typeface="Helvetica Neue"/>
+              </a:rPr>
+              <a:t>sklearn.feature_extraction.text.CountVectorizer</a:t>
+            </a:r>
+            <a:r>
+              <a:rPr lang="en-US" altLang="zh-CN" b="0" i="0" dirty="0">
+                <a:solidFill>
+                  <a:srgbClr val="000000"/>
+                </a:solidFill>
+                <a:effectLst/>
+                <a:latin typeface="Helvetica Neue"/>
+              </a:rPr>
+              <a:t> </a:t>
+            </a:r>
+          </a:p>
+          <a:p>
+            <a:pPr lvl="2"/>
+            <a:r>
+              <a:rPr lang="en-US" altLang="zh-CN" b="1" i="0" dirty="0" err="1">
+                <a:solidFill>
+                  <a:srgbClr val="000000"/>
+                </a:solidFill>
+                <a:effectLst/>
+                <a:latin typeface="Helvetica Neue"/>
+              </a:rPr>
+              <a:t>scipy.sparse.coo_matrix</a:t>
+            </a:r>
+            <a:endParaRPr lang="en-US" altLang="zh-CN" dirty="0">
+              <a:solidFill>
+                <a:srgbClr val="000000"/>
+              </a:solidFill>
+              <a:latin typeface="Helvetica Neue"/>
+            </a:endParaRPr>
+          </a:p>
+          <a:p>
+            <a:pPr lvl="1"/>
+            <a:r>
+              <a:rPr lang="en-US" altLang="zh-CN" b="1" i="0" dirty="0">
+                <a:solidFill>
+                  <a:srgbClr val="000000"/>
+                </a:solidFill>
+                <a:effectLst/>
+                <a:latin typeface="Helvetica Neue"/>
+              </a:rPr>
+              <a:t>Term Frequency - Inverse Document Frequency (TF-IDF)</a:t>
+            </a:r>
+          </a:p>
+          <a:p>
+            <a:pPr lvl="1"/>
+            <a:endParaRPr lang="zh-CN" altLang="en-US" dirty="0"/>
+          </a:p>
+        </p:txBody>
+      </p:sp>
+    </p:spTree>
+    <p:extLst>
+      <p:ext uri="{BB962C8B-B14F-4D97-AF65-F5344CB8AC3E}">
+        <p14:creationId xmlns:p14="http://schemas.microsoft.com/office/powerpoint/2010/main" val="2491224308"/>
       </p:ext>
     </p:extLst>
   </p:cSld>
